--- a/Documentation/ExamProjectTSM2020-2021.pptx
+++ b/Documentation/ExamProjectTSM2020-2021.pptx
@@ -209,7 +209,7 @@
           <a:p>
             <a:fld id="{AE9863BC-CA83-4676-881E-A7A4A2393B5F}" type="datetimeFigureOut">
               <a:rPr lang="en-US" smtClean="0"/>
-              <a:t>2/7/21</a:t>
+              <a:t>2/13/21</a:t>
             </a:fld>
             <a:endParaRPr lang="en-US"/>
           </a:p>
@@ -1045,7 +1045,7 @@
             <a:fld id="{B61BEF0D-F0BB-DE4B-95CE-6DB70DBA9567}" type="datetimeFigureOut">
               <a:rPr lang="en-US" dirty="0"/>
               <a:pPr/>
-              <a:t>2/7/21</a:t>
+              <a:t>2/13/21</a:t>
             </a:fld>
             <a:endParaRPr lang="en-US" dirty="0"/>
           </a:p>
@@ -1376,7 +1376,7 @@
             <a:fld id="{B61BEF0D-F0BB-DE4B-95CE-6DB70DBA9567}" type="datetimeFigureOut">
               <a:rPr lang="en-US" dirty="0"/>
               <a:pPr/>
-              <a:t>2/7/21</a:t>
+              <a:t>2/13/21</a:t>
             </a:fld>
             <a:endParaRPr lang="en-US" dirty="0"/>
           </a:p>
@@ -1651,7 +1651,7 @@
             <a:fld id="{B61BEF0D-F0BB-DE4B-95CE-6DB70DBA9567}" type="datetimeFigureOut">
               <a:rPr lang="en-US" dirty="0"/>
               <a:pPr/>
-              <a:t>2/7/21</a:t>
+              <a:t>2/13/21</a:t>
             </a:fld>
             <a:endParaRPr lang="en-US" dirty="0"/>
           </a:p>
@@ -2216,7 +2216,7 @@
             <a:fld id="{B61BEF0D-F0BB-DE4B-95CE-6DB70DBA9567}" type="datetimeFigureOut">
               <a:rPr lang="en-US" dirty="0"/>
               <a:pPr/>
-              <a:t>2/7/21</a:t>
+              <a:t>2/13/21</a:t>
             </a:fld>
             <a:endParaRPr lang="en-US" dirty="0"/>
           </a:p>
@@ -2491,7 +2491,7 @@
             <a:fld id="{B61BEF0D-F0BB-DE4B-95CE-6DB70DBA9567}" type="datetimeFigureOut">
               <a:rPr lang="en-US" dirty="0"/>
               <a:pPr/>
-              <a:t>2/7/21</a:t>
+              <a:t>2/13/21</a:t>
             </a:fld>
             <a:endParaRPr lang="en-US" dirty="0"/>
           </a:p>
@@ -3050,7 +3050,7 @@
             <a:fld id="{B61BEF0D-F0BB-DE4B-95CE-6DB70DBA9567}" type="datetimeFigureOut">
               <a:rPr lang="en-US" dirty="0"/>
               <a:pPr/>
-              <a:t>2/7/21</a:t>
+              <a:t>2/13/21</a:t>
             </a:fld>
             <a:endParaRPr lang="en-US" dirty="0"/>
           </a:p>
@@ -3374,7 +3374,7 @@
             <a:fld id="{B61BEF0D-F0BB-DE4B-95CE-6DB70DBA9567}" type="datetimeFigureOut">
               <a:rPr lang="en-US" dirty="0"/>
               <a:pPr/>
-              <a:t>2/7/21</a:t>
+              <a:t>2/13/21</a:t>
             </a:fld>
             <a:endParaRPr lang="en-US" dirty="0"/>
           </a:p>
@@ -3576,7 +3576,7 @@
             <a:fld id="{B61BEF0D-F0BB-DE4B-95CE-6DB70DBA9567}" type="datetimeFigureOut">
               <a:rPr lang="en-US" dirty="0"/>
               <a:pPr/>
-              <a:t>2/7/21</a:t>
+              <a:t>2/13/21</a:t>
             </a:fld>
             <a:endParaRPr lang="en-US" dirty="0"/>
           </a:p>
@@ -3783,7 +3783,7 @@
             <a:fld id="{B61BEF0D-F0BB-DE4B-95CE-6DB70DBA9567}" type="datetimeFigureOut">
               <a:rPr lang="en-US" dirty="0"/>
               <a:pPr/>
-              <a:t>2/7/21</a:t>
+              <a:t>2/13/21</a:t>
             </a:fld>
             <a:endParaRPr lang="en-US" dirty="0"/>
           </a:p>
@@ -3980,7 +3980,7 @@
             <a:fld id="{B61BEF0D-F0BB-DE4B-95CE-6DB70DBA9567}" type="datetimeFigureOut">
               <a:rPr lang="en-US" dirty="0"/>
               <a:pPr/>
-              <a:t>2/7/21</a:t>
+              <a:t>2/13/21</a:t>
             </a:fld>
             <a:endParaRPr lang="en-US" dirty="0"/>
           </a:p>
@@ -4253,7 +4253,7 @@
             <a:fld id="{B61BEF0D-F0BB-DE4B-95CE-6DB70DBA9567}" type="datetimeFigureOut">
               <a:rPr lang="en-US" dirty="0"/>
               <a:pPr/>
-              <a:t>2/7/21</a:t>
+              <a:t>2/13/21</a:t>
             </a:fld>
             <a:endParaRPr lang="en-US" dirty="0"/>
           </a:p>
@@ -4516,7 +4516,7 @@
             <a:fld id="{B61BEF0D-F0BB-DE4B-95CE-6DB70DBA9567}" type="datetimeFigureOut">
               <a:rPr lang="en-US" dirty="0"/>
               <a:pPr/>
-              <a:t>2/7/21</a:t>
+              <a:t>2/13/21</a:t>
             </a:fld>
             <a:endParaRPr lang="en-US" dirty="0"/>
           </a:p>
@@ -4887,7 +4887,7 @@
             <a:fld id="{B61BEF0D-F0BB-DE4B-95CE-6DB70DBA9567}" type="datetimeFigureOut">
               <a:rPr lang="en-US" dirty="0"/>
               <a:pPr/>
-              <a:t>2/7/21</a:t>
+              <a:t>2/13/21</a:t>
             </a:fld>
             <a:endParaRPr lang="en-US" dirty="0"/>
           </a:p>
@@ -5032,7 +5032,7 @@
             <a:fld id="{B61BEF0D-F0BB-DE4B-95CE-6DB70DBA9567}" type="datetimeFigureOut">
               <a:rPr lang="en-US" dirty="0"/>
               <a:pPr/>
-              <a:t>2/7/21</a:t>
+              <a:t>2/13/21</a:t>
             </a:fld>
             <a:endParaRPr lang="en-US" dirty="0"/>
           </a:p>
@@ -5154,7 +5154,7 @@
             <a:fld id="{B61BEF0D-F0BB-DE4B-95CE-6DB70DBA9567}" type="datetimeFigureOut">
               <a:rPr lang="en-US" dirty="0"/>
               <a:pPr/>
-              <a:t>2/7/21</a:t>
+              <a:t>2/13/21</a:t>
             </a:fld>
             <a:endParaRPr lang="en-US" dirty="0"/>
           </a:p>
@@ -5436,7 +5436,7 @@
             <a:fld id="{B61BEF0D-F0BB-DE4B-95CE-6DB70DBA9567}" type="datetimeFigureOut">
               <a:rPr lang="en-US" dirty="0"/>
               <a:pPr/>
-              <a:t>2/7/21</a:t>
+              <a:t>2/13/21</a:t>
             </a:fld>
             <a:endParaRPr lang="en-US" dirty="0"/>
           </a:p>
@@ -5757,7 +5757,7 @@
             <a:fld id="{B61BEF0D-F0BB-DE4B-95CE-6DB70DBA9567}" type="datetimeFigureOut">
               <a:rPr lang="en-US" dirty="0"/>
               <a:pPr/>
-              <a:t>2/7/21</a:t>
+              <a:t>2/13/21</a:t>
             </a:fld>
             <a:endParaRPr lang="en-US" dirty="0"/>
           </a:p>
@@ -5971,7 +5971,7 @@
             <a:fld id="{B61BEF0D-F0BB-DE4B-95CE-6DB70DBA9567}" type="datetimeFigureOut">
               <a:rPr lang="en-US" dirty="0"/>
               <a:pPr/>
-              <a:t>2/7/21</a:t>
+              <a:t>2/13/21</a:t>
             </a:fld>
             <a:endParaRPr lang="en-US" dirty="0"/>
           </a:p>
@@ -8782,7 +8782,7 @@
             </a:r>
             <a:r>
               <a:rPr lang="en-US" u="sng" dirty="0"/>
-              <a:t>5</a:t>
+              <a:t>10</a:t>
             </a:r>
             <a:r>
               <a:rPr lang="en-US" u="sng" baseline="30000" dirty="0"/>
@@ -8794,7 +8794,7 @@
             </a:r>
             <a:r>
               <a:rPr lang="en-US" dirty="0"/>
-              <a:t> (so before 6</a:t>
+              <a:t> (so before 11</a:t>
             </a:r>
             <a:r>
               <a:rPr lang="en-US" baseline="30000" dirty="0"/>
@@ -8819,7 +8819,7 @@
             </a:r>
             <a:r>
               <a:rPr lang="en-US" u="sng" dirty="0"/>
-              <a:t>8</a:t>
+              <a:t>15</a:t>
             </a:r>
             <a:r>
               <a:rPr lang="en-US" u="sng" baseline="30000" dirty="0"/>
@@ -8827,7 +8827,7 @@
             </a:r>
             <a:r>
               <a:rPr lang="en-US" u="sng" dirty="0"/>
-              <a:t> of March at midnight (so before 9</a:t>
+              <a:t> of March at midnight (so before 16</a:t>
             </a:r>
             <a:r>
               <a:rPr lang="en-US" u="sng" baseline="30000" dirty="0"/>
@@ -9366,7 +9366,7 @@
             </a:r>
             <a:r>
               <a:rPr lang="en-US" u="sng" dirty="0"/>
-              <a:t> of October at midnight</a:t>
+              <a:t> of March at midnight</a:t>
             </a:r>
             <a:r>
               <a:rPr lang="en-US" dirty="0"/>
@@ -11121,8 +11121,12 @@
               <a:buChar char="•"/>
             </a:pPr>
             <a:r>
+              <a:rPr lang="en-US" u="sng"/>
+              <a:t>10/03</a:t>
+            </a:r>
+            <a:r>
               <a:rPr lang="en-US" u="sng" dirty="0"/>
-              <a:t>05/03:</a:t>
+              <a:t>:</a:t>
             </a:r>
             <a:r>
               <a:rPr lang="en-US" dirty="0"/>
@@ -11328,7 +11332,7 @@
             </a:pPr>
             <a:r>
               <a:rPr lang="en-US" u="sng" dirty="0"/>
-              <a:t>08/03</a:t>
+              <a:t>15/03</a:t>
             </a:r>
             <a:r>
               <a:rPr lang="en-US" dirty="0"/>
